--- a/07-desired-state-and-data-windows.pptx
+++ b/07-desired-state-and-data-windows.pptx
@@ -301,7 +301,7 @@
               <a:pPr>
                 <a:defRPr/>
               </a:pPr>
-              <a:t>2015-11-02</a:t>
+              <a:t>2015-11-10</a:t>
             </a:fld>
             <a:endParaRPr lang="en-US" dirty="0"/>
           </a:p>
@@ -484,7 +484,7 @@
               <a:pPr>
                 <a:defRPr/>
               </a:pPr>
-              <a:t>2015-11-02</a:t>
+              <a:t>2015-11-10</a:t>
             </a:fld>
             <a:endParaRPr lang="en-US" dirty="0"/>
           </a:p>
@@ -1450,14 +1450,14 @@
           </a:ln>
           <a:extLst>
             <a:ext uri="{909E8E84-426E-40dd-AFC4-6F175D3DCCD1}">
-              <a14:hiddenFill xmlns="" xmlns:a14="http://schemas.microsoft.com/office/drawing/2010/main">
+              <a14:hiddenFill xmlns:a14="http://schemas.microsoft.com/office/drawing/2010/main" xmlns="">
                 <a:solidFill>
                   <a:srgbClr val="FFFFFF"/>
                 </a:solidFill>
               </a14:hiddenFill>
             </a:ext>
             <a:ext uri="{91240B29-F687-4f45-9708-019B960494DF}">
-              <a14:hiddenLine xmlns="" xmlns:a14="http://schemas.microsoft.com/office/drawing/2010/main" w="9525">
+              <a14:hiddenLine xmlns:a14="http://schemas.microsoft.com/office/drawing/2010/main" xmlns="" w="9525">
                 <a:solidFill>
                   <a:srgbClr val="000000"/>
                 </a:solidFill>
@@ -1605,14 +1605,14 @@
           </a:ln>
           <a:extLst>
             <a:ext uri="{909E8E84-426E-40dd-AFC4-6F175D3DCCD1}">
-              <a14:hiddenFill xmlns="" xmlns:a14="http://schemas.microsoft.com/office/drawing/2010/main">
+              <a14:hiddenFill xmlns:a14="http://schemas.microsoft.com/office/drawing/2010/main" xmlns="">
                 <a:solidFill>
                   <a:srgbClr val="FFFFFF"/>
                 </a:solidFill>
               </a14:hiddenFill>
             </a:ext>
             <a:ext uri="{91240B29-F687-4f45-9708-019B960494DF}">
-              <a14:hiddenLine xmlns="" xmlns:a14="http://schemas.microsoft.com/office/drawing/2010/main" w="9525">
+              <a14:hiddenLine xmlns:a14="http://schemas.microsoft.com/office/drawing/2010/main" xmlns="" w="9525">
                 <a:solidFill>
                   <a:srgbClr val="000000"/>
                 </a:solidFill>
@@ -2103,14 +2103,14 @@
           </a:ln>
           <a:extLst>
             <a:ext uri="{909E8E84-426E-40dd-AFC4-6F175D3DCCD1}">
-              <a14:hiddenFill xmlns="" xmlns:a14="http://schemas.microsoft.com/office/drawing/2010/main">
+              <a14:hiddenFill xmlns:a14="http://schemas.microsoft.com/office/drawing/2010/main" xmlns="">
                 <a:solidFill>
                   <a:srgbClr val="FFFFFF"/>
                 </a:solidFill>
               </a14:hiddenFill>
             </a:ext>
             <a:ext uri="{91240B29-F687-4f45-9708-019B960494DF}">
-              <a14:hiddenLine xmlns="" xmlns:a14="http://schemas.microsoft.com/office/drawing/2010/main" w="9525">
+              <a14:hiddenLine xmlns:a14="http://schemas.microsoft.com/office/drawing/2010/main" xmlns="" w="9525">
                 <a:solidFill>
                   <a:srgbClr val="000000"/>
                 </a:solidFill>
@@ -3559,14 +3559,14 @@
           </a:ln>
           <a:extLst>
             <a:ext uri="{909E8E84-426E-40dd-AFC4-6F175D3DCCD1}">
-              <a14:hiddenFill xmlns="" xmlns:a14="http://schemas.microsoft.com/office/drawing/2010/main">
+              <a14:hiddenFill xmlns:a14="http://schemas.microsoft.com/office/drawing/2010/main" xmlns="">
                 <a:solidFill>
                   <a:srgbClr val="FFFFFF"/>
                 </a:solidFill>
               </a14:hiddenFill>
             </a:ext>
             <a:ext uri="{91240B29-F687-4f45-9708-019B960494DF}">
-              <a14:hiddenLine xmlns="" xmlns:a14="http://schemas.microsoft.com/office/drawing/2010/main" w="9525">
+              <a14:hiddenLine xmlns:a14="http://schemas.microsoft.com/office/drawing/2010/main" xmlns="" w="9525">
                 <a:solidFill>
                   <a:srgbClr val="000000"/>
                 </a:solidFill>
@@ -4920,14 +4920,14 @@
           </a:ln>
           <a:extLst>
             <a:ext uri="{909E8E84-426E-40dd-AFC4-6F175D3DCCD1}">
-              <a14:hiddenFill xmlns="" xmlns:a14="http://schemas.microsoft.com/office/drawing/2010/main">
+              <a14:hiddenFill xmlns:a14="http://schemas.microsoft.com/office/drawing/2010/main" xmlns="">
                 <a:solidFill>
                   <a:srgbClr val="FFFFFF"/>
                 </a:solidFill>
               </a14:hiddenFill>
             </a:ext>
             <a:ext uri="{91240B29-F687-4f45-9708-019B960494DF}">
-              <a14:hiddenLine xmlns="" xmlns:a14="http://schemas.microsoft.com/office/drawing/2010/main" w="9525">
+              <a14:hiddenLine xmlns:a14="http://schemas.microsoft.com/office/drawing/2010/main" xmlns="" w="9525">
                 <a:solidFill>
                   <a:srgbClr val="000000"/>
                 </a:solidFill>
@@ -5485,14 +5485,14 @@
           </a:ln>
           <a:extLst>
             <a:ext uri="{909E8E84-426E-40dd-AFC4-6F175D3DCCD1}">
-              <a14:hiddenFill xmlns="" xmlns:a14="http://schemas.microsoft.com/office/drawing/2010/main">
+              <a14:hiddenFill xmlns:a14="http://schemas.microsoft.com/office/drawing/2010/main" xmlns="">
                 <a:solidFill>
                   <a:srgbClr val="FFFFFF"/>
                 </a:solidFill>
               </a14:hiddenFill>
             </a:ext>
             <a:ext uri="{91240B29-F687-4f45-9708-019B960494DF}">
-              <a14:hiddenLine xmlns="" xmlns:a14="http://schemas.microsoft.com/office/drawing/2010/main" w="9525">
+              <a14:hiddenLine xmlns:a14="http://schemas.microsoft.com/office/drawing/2010/main" xmlns="" w="9525">
                 <a:solidFill>
                   <a:srgbClr val="000000"/>
                 </a:solidFill>
@@ -6059,14 +6059,14 @@
           </a:ln>
           <a:extLst>
             <a:ext uri="{909E8E84-426E-40dd-AFC4-6F175D3DCCD1}">
-              <a14:hiddenFill xmlns="" xmlns:a14="http://schemas.microsoft.com/office/drawing/2010/main">
+              <a14:hiddenFill xmlns:a14="http://schemas.microsoft.com/office/drawing/2010/main" xmlns="">
                 <a:solidFill>
                   <a:srgbClr val="FFFFFF"/>
                 </a:solidFill>
               </a14:hiddenFill>
             </a:ext>
             <a:ext uri="{91240B29-F687-4f45-9708-019B960494DF}">
-              <a14:hiddenLine xmlns="" xmlns:a14="http://schemas.microsoft.com/office/drawing/2010/main" w="9525">
+              <a14:hiddenLine xmlns:a14="http://schemas.microsoft.com/office/drawing/2010/main" xmlns="" w="9525">
                 <a:solidFill>
                   <a:srgbClr val="000000"/>
                 </a:solidFill>
@@ -7006,14 +7006,14 @@
           </a:ln>
           <a:extLst>
             <a:ext uri="{909E8E84-426E-40dd-AFC4-6F175D3DCCD1}">
-              <a14:hiddenFill xmlns="" xmlns:a14="http://schemas.microsoft.com/office/drawing/2010/main">
+              <a14:hiddenFill xmlns:a14="http://schemas.microsoft.com/office/drawing/2010/main" xmlns="">
                 <a:solidFill>
                   <a:srgbClr val="FFFFFF"/>
                 </a:solidFill>
               </a14:hiddenFill>
             </a:ext>
             <a:ext uri="{91240B29-F687-4f45-9708-019B960494DF}">
-              <a14:hiddenLine xmlns="" xmlns:a14="http://schemas.microsoft.com/office/drawing/2010/main" w="9525">
+              <a14:hiddenLine xmlns:a14="http://schemas.microsoft.com/office/drawing/2010/main" xmlns="" w="9525">
                 <a:solidFill>
                   <a:srgbClr val="000000"/>
                 </a:solidFill>
@@ -7753,14 +7753,14 @@
           </a:ln>
           <a:extLst>
             <a:ext uri="{909E8E84-426E-40dd-AFC4-6F175D3DCCD1}">
-              <a14:hiddenFill xmlns="" xmlns:a14="http://schemas.microsoft.com/office/drawing/2010/main">
+              <a14:hiddenFill xmlns:a14="http://schemas.microsoft.com/office/drawing/2010/main" xmlns="">
                 <a:solidFill>
                   <a:srgbClr val="FFFFFF"/>
                 </a:solidFill>
               </a14:hiddenFill>
             </a:ext>
             <a:ext uri="{91240B29-F687-4f45-9708-019B960494DF}">
-              <a14:hiddenLine xmlns="" xmlns:a14="http://schemas.microsoft.com/office/drawing/2010/main" w="9525">
+              <a14:hiddenLine xmlns:a14="http://schemas.microsoft.com/office/drawing/2010/main" xmlns="" w="9525">
                 <a:solidFill>
                   <a:srgbClr val="000000"/>
                 </a:solidFill>
@@ -8500,7 +8500,11 @@
           <a:bodyPr/>
           <a:lstStyle/>
           <a:p>
-            <a:endParaRPr lang="en-US"/>
+            <a:r>
+              <a:rPr lang="en-US" dirty="0" smtClean="0"/>
+              <a:t>Desired State and Data</a:t>
+            </a:r>
+            <a:endParaRPr lang="en-US" dirty="0"/>
           </a:p>
         </p:txBody>
       </p:sp>
@@ -8519,7 +8523,15 @@
           <a:bodyPr/>
           <a:lstStyle/>
           <a:p>
-            <a:endParaRPr lang="en-US"/>
+            <a:r>
+              <a:rPr lang="en-US" dirty="0" err="1" smtClean="0"/>
+              <a:t>Extrating</a:t>
+            </a:r>
+            <a:r>
+              <a:rPr lang="en-US" dirty="0" smtClean="0"/>
+              <a:t> the Content for Clarity</a:t>
+            </a:r>
+            <a:endParaRPr lang="en-US" dirty="0"/>
           </a:p>
         </p:txBody>
       </p:sp>
@@ -10350,9 +10362,8 @@
             </a:pPr>
             <a:r>
               <a:rPr lang="en-US" dirty="0" smtClean="0"/>
-              <a:t>Something</a:t>
-            </a:r>
-            <a:endParaRPr lang="en-US" dirty="0" smtClean="0"/>
+              <a:t>Explain when to use a template resource</a:t>
+            </a:r>
           </a:p>
           <a:p>
             <a:pPr marL="457200" indent="-457200">
@@ -10361,7 +10372,31 @@
             </a:pPr>
             <a:r>
               <a:rPr lang="en-US" dirty="0" smtClean="0"/>
-              <a:t>Something else</a:t>
+              <a:t>Create a template file</a:t>
+            </a:r>
+          </a:p>
+          <a:p>
+            <a:pPr marL="457200" indent="-457200">
+              <a:buFont typeface="Wingdings" charset="2"/>
+              <a:buChar char="Ø"/>
+            </a:pPr>
+            <a:r>
+              <a:rPr lang="en-US" dirty="0" smtClean="0"/>
+              <a:t>Use ERB tags to display node data in a template</a:t>
+            </a:r>
+          </a:p>
+          <a:p>
+            <a:pPr marL="457200" indent="-457200">
+              <a:buFont typeface="Wingdings" charset="2"/>
+              <a:buChar char="Ø"/>
+            </a:pPr>
+            <a:r>
+              <a:rPr lang="en-US" dirty="0" smtClean="0"/>
+              <a:t>Define </a:t>
+            </a:r>
+            <a:r>
+              <a:rPr lang="en-US" smtClean="0"/>
+              <a:t>a template resource</a:t>
             </a:r>
             <a:endParaRPr lang="en-US" dirty="0" smtClean="0"/>
           </a:p>
